--- a/WebContent/file/JSP 프레젠테이션.pptx
+++ b/WebContent/file/JSP 프레젠테이션.pptx
@@ -5289,7 +5289,7 @@
         <p:spPr>
           <a:xfrm>
             <a:off x="597862" y="997887"/>
-            <a:ext cx="4995278" cy="400110"/>
+            <a:ext cx="6627135" cy="400110"/>
           </a:xfrm>
           <a:prstGeom prst="rect">
             <a:avLst/>
@@ -5310,57 +5310,107 @@
                 <a:latin typeface="맑은 고딕" panose="020B0503020000020004" pitchFamily="50" charset="-127"/>
                 <a:ea typeface="맑은 고딕" panose="020B0503020000020004" pitchFamily="50" charset="-127"/>
               </a:rPr>
+              <a:t> 출자금 </a:t>
+            </a:r>
+            <a:r>
+              <a:rPr lang="en-US" altLang="ko-KR" sz="2000" dirty="0" smtClean="0">
+                <a:solidFill>
+                  <a:schemeClr val="bg1"/>
+                </a:solidFill>
+                <a:latin typeface="맑은 고딕" panose="020B0503020000020004" pitchFamily="50" charset="-127"/>
+                <a:ea typeface="맑은 고딕" panose="020B0503020000020004" pitchFamily="50" charset="-127"/>
+              </a:rPr>
+              <a:t>= </a:t>
+            </a:r>
+            <a:r>
+              <a:rPr lang="en-US" altLang="ko-KR" sz="2000" dirty="0" smtClean="0">
+                <a:solidFill>
+                  <a:schemeClr val="bg1"/>
+                </a:solidFill>
+                <a:latin typeface="맑은 고딕" panose="020B0503020000020004" pitchFamily="50" charset="-127"/>
+                <a:ea typeface="맑은 고딕" panose="020B0503020000020004" pitchFamily="50" charset="-127"/>
+              </a:rPr>
+              <a:t>(</a:t>
+            </a:r>
+            <a:r>
+              <a:rPr lang="ko-KR" altLang="en-US" sz="2000" dirty="0" smtClean="0">
+                <a:solidFill>
+                  <a:schemeClr val="bg1"/>
+                </a:solidFill>
+                <a:latin typeface="맑은 고딕" panose="020B0503020000020004" pitchFamily="50" charset="-127"/>
+                <a:ea typeface="맑은 고딕" panose="020B0503020000020004" pitchFamily="50" charset="-127"/>
+              </a:rPr>
+              <a:t>예</a:t>
+            </a:r>
+            <a:r>
+              <a:rPr lang="en-US" altLang="ko-KR" sz="2000" dirty="0" smtClean="0">
+                <a:solidFill>
+                  <a:schemeClr val="bg1"/>
+                </a:solidFill>
+                <a:latin typeface="맑은 고딕" panose="020B0503020000020004" pitchFamily="50" charset="-127"/>
+                <a:ea typeface="맑은 고딕" panose="020B0503020000020004" pitchFamily="50" charset="-127"/>
+              </a:rPr>
+              <a:t>/</a:t>
+            </a:r>
+            <a:r>
+              <a:rPr lang="ko-KR" altLang="en-US" sz="2000" dirty="0" smtClean="0">
+                <a:solidFill>
+                  <a:schemeClr val="bg1"/>
+                </a:solidFill>
+                <a:latin typeface="맑은 고딕" panose="020B0503020000020004" pitchFamily="50" charset="-127"/>
+                <a:ea typeface="맑은 고딕" panose="020B0503020000020004" pitchFamily="50" charset="-127"/>
+              </a:rPr>
+              <a:t>적금 총 </a:t>
+            </a:r>
+            <a:r>
+              <a:rPr lang="ko-KR" altLang="en-US" sz="2000" dirty="0" smtClean="0">
+                <a:solidFill>
+                  <a:schemeClr val="bg1"/>
+                </a:solidFill>
+                <a:latin typeface="맑은 고딕" panose="020B0503020000020004" pitchFamily="50" charset="-127"/>
+                <a:ea typeface="맑은 고딕" panose="020B0503020000020004" pitchFamily="50" charset="-127"/>
+              </a:rPr>
+              <a:t>금액 </a:t>
+            </a:r>
+            <a:r>
+              <a:rPr lang="en-US" altLang="ko-KR" sz="2000" dirty="0" smtClean="0">
+                <a:solidFill>
+                  <a:schemeClr val="bg1"/>
+                </a:solidFill>
+                <a:latin typeface="맑은 고딕" panose="020B0503020000020004" pitchFamily="50" charset="-127"/>
+                <a:ea typeface="맑은 고딕" panose="020B0503020000020004" pitchFamily="50" charset="-127"/>
+              </a:rPr>
+              <a:t>+ </a:t>
+            </a:r>
+            <a:r>
+              <a:rPr lang="ko-KR" altLang="en-US" sz="2000" dirty="0" smtClean="0">
+                <a:solidFill>
+                  <a:schemeClr val="bg1"/>
+                </a:solidFill>
+                <a:latin typeface="맑은 고딕" panose="020B0503020000020004" pitchFamily="50" charset="-127"/>
+                <a:ea typeface="맑은 고딕" panose="020B0503020000020004" pitchFamily="50" charset="-127"/>
+              </a:rPr>
+              <a:t>대출 이자</a:t>
+            </a:r>
+            <a:r>
+              <a:rPr lang="en-US" altLang="ko-KR" sz="2000" dirty="0" smtClean="0">
+                <a:solidFill>
+                  <a:schemeClr val="bg1"/>
+                </a:solidFill>
+                <a:latin typeface="맑은 고딕" panose="020B0503020000020004" pitchFamily="50" charset="-127"/>
+                <a:ea typeface="맑은 고딕" panose="020B0503020000020004" pitchFamily="50" charset="-127"/>
+              </a:rPr>
+              <a:t>)</a:t>
+            </a:r>
+            <a:r>
+              <a:rPr lang="ko-KR" altLang="en-US" sz="2000" dirty="0" smtClean="0">
+                <a:solidFill>
+                  <a:schemeClr val="bg1"/>
+                </a:solidFill>
+                <a:latin typeface="맑은 고딕" panose="020B0503020000020004" pitchFamily="50" charset="-127"/>
+                <a:ea typeface="맑은 고딕" panose="020B0503020000020004" pitchFamily="50" charset="-127"/>
+              </a:rPr>
               <a:t> </a:t>
-            </a:r>
-            <a:r>
-              <a:rPr lang="ko-KR" altLang="en-US" sz="2000" dirty="0" smtClean="0">
-                <a:solidFill>
-                  <a:schemeClr val="bg1"/>
-                </a:solidFill>
-                <a:latin typeface="맑은 고딕" panose="020B0503020000020004" pitchFamily="50" charset="-127"/>
-                <a:ea typeface="맑은 고딕" panose="020B0503020000020004" pitchFamily="50" charset="-127"/>
-              </a:rPr>
-              <a:t>출자금 </a:t>
-            </a:r>
-            <a:r>
-              <a:rPr lang="en-US" altLang="ko-KR" sz="2000" dirty="0" smtClean="0">
-                <a:solidFill>
-                  <a:schemeClr val="bg1"/>
-                </a:solidFill>
-                <a:latin typeface="맑은 고딕" panose="020B0503020000020004" pitchFamily="50" charset="-127"/>
-                <a:ea typeface="맑은 고딕" panose="020B0503020000020004" pitchFamily="50" charset="-127"/>
-              </a:rPr>
-              <a:t>= </a:t>
-            </a:r>
-            <a:r>
-              <a:rPr lang="ko-KR" altLang="en-US" sz="2000" dirty="0" smtClean="0">
-                <a:solidFill>
-                  <a:schemeClr val="bg1"/>
-                </a:solidFill>
-                <a:latin typeface="맑은 고딕" panose="020B0503020000020004" pitchFamily="50" charset="-127"/>
-                <a:ea typeface="맑은 고딕" panose="020B0503020000020004" pitchFamily="50" charset="-127"/>
-              </a:rPr>
-              <a:t>예</a:t>
-            </a:r>
-            <a:r>
-              <a:rPr lang="en-US" altLang="ko-KR" sz="2000" dirty="0" smtClean="0">
-                <a:solidFill>
-                  <a:schemeClr val="bg1"/>
-                </a:solidFill>
-                <a:latin typeface="맑은 고딕" panose="020B0503020000020004" pitchFamily="50" charset="-127"/>
-                <a:ea typeface="맑은 고딕" panose="020B0503020000020004" pitchFamily="50" charset="-127"/>
-              </a:rPr>
-              <a:t>/</a:t>
-            </a:r>
-            <a:r>
-              <a:rPr lang="ko-KR" altLang="en-US" sz="2000" dirty="0" smtClean="0">
-                <a:solidFill>
-                  <a:schemeClr val="bg1"/>
-                </a:solidFill>
-                <a:latin typeface="맑은 고딕" panose="020B0503020000020004" pitchFamily="50" charset="-127"/>
-                <a:ea typeface="맑은 고딕" panose="020B0503020000020004" pitchFamily="50" charset="-127"/>
-              </a:rPr>
-              <a:t>적금 총 금액 </a:t>
             </a:r>
             <a:r>
               <a:rPr lang="en-US" altLang="ko-KR" sz="2000" dirty="0" smtClean="0">
@@ -6111,9 +6161,16 @@
             </a:endParaRPr>
           </a:p>
           <a:p>
-            <a:pPr marL="457200" indent="-457200">
-              <a:buAutoNum type="arabicPeriod"/>
-            </a:pPr>
+            <a:r>
+              <a:rPr lang="en-US" altLang="ko-KR" sz="2000" dirty="0" smtClean="0">
+                <a:solidFill>
+                  <a:schemeClr val="bg1"/>
+                </a:solidFill>
+                <a:latin typeface="맑은 고딕" panose="020B0503020000020004" pitchFamily="50" charset="-127"/>
+                <a:ea typeface="맑은 고딕" panose="020B0503020000020004" pitchFamily="50" charset="-127"/>
+              </a:rPr>
+              <a:t>1. </a:t>
+            </a:r>
             <a:r>
               <a:rPr lang="ko-KR" altLang="en-US" sz="2000" dirty="0" smtClean="0">
                 <a:solidFill>
@@ -6264,6 +6321,88 @@
                   <a:lumMod val="75000"/>
                   <a:lumOff val="25000"/>
                 </a:schemeClr>
+              </a:solidFill>
+              <a:latin typeface="맑은 고딕" panose="020B0503020000020004" pitchFamily="50" charset="-127"/>
+              <a:ea typeface="맑은 고딕" panose="020B0503020000020004" pitchFamily="50" charset="-127"/>
+            </a:endParaRPr>
+          </a:p>
+        </p:txBody>
+      </p:sp>
+      <p:sp>
+        <p:nvSpPr>
+          <p:cNvPr id="6" name="TextBox 5"/>
+          <p:cNvSpPr txBox="1"/>
+          <p:nvPr/>
+        </p:nvSpPr>
+        <p:spPr>
+          <a:xfrm>
+            <a:off x="4211960" y="1779662"/>
+            <a:ext cx="2799164" cy="923330"/>
+          </a:xfrm>
+          <a:prstGeom prst="rect">
+            <a:avLst/>
+          </a:prstGeom>
+          <a:noFill/>
+        </p:spPr>
+        <p:txBody>
+          <a:bodyPr wrap="none" rtlCol="0">
+            <a:spAutoFit/>
+          </a:bodyPr>
+          <a:lstStyle/>
+          <a:p>
+            <a:r>
+              <a:rPr lang="ko-KR" altLang="en-US" sz="5400" b="1" dirty="0" smtClean="0">
+                <a:solidFill>
+                  <a:schemeClr val="bg1"/>
+                </a:solidFill>
+                <a:latin typeface="맑은 고딕" panose="020B0503020000020004" pitchFamily="50" charset="-127"/>
+                <a:ea typeface="맑은 고딕" panose="020B0503020000020004" pitchFamily="50" charset="-127"/>
+              </a:rPr>
+              <a:t> </a:t>
+            </a:r>
+            <a:r>
+              <a:rPr lang="ko-KR" altLang="en-US" sz="5400" b="1" dirty="0" smtClean="0">
+                <a:solidFill>
+                  <a:schemeClr val="bg1"/>
+                </a:solidFill>
+                <a:latin typeface="맑은 고딕" panose="020B0503020000020004" pitchFamily="50" charset="-127"/>
+                <a:ea typeface="맑은 고딕" panose="020B0503020000020004" pitchFamily="50" charset="-127"/>
+              </a:rPr>
+              <a:t> </a:t>
+            </a:r>
+            <a:r>
+              <a:rPr lang="en-US" altLang="ko-KR" sz="5400" b="1" dirty="0" smtClean="0">
+                <a:solidFill>
+                  <a:srgbClr val="FFC000"/>
+                </a:solidFill>
+                <a:latin typeface="맑은 고딕" panose="020B0503020000020004" pitchFamily="50" charset="-127"/>
+                <a:ea typeface="맑은 고딕" panose="020B0503020000020004" pitchFamily="50" charset="-127"/>
+              </a:rPr>
+              <a:t>+</a:t>
+            </a:r>
+            <a:r>
+              <a:rPr lang="en-US" altLang="ko-KR" sz="5400" b="1" dirty="0" smtClean="0">
+                <a:solidFill>
+                  <a:schemeClr val="bg1"/>
+                </a:solidFill>
+                <a:latin typeface="맑은 고딕" panose="020B0503020000020004" pitchFamily="50" charset="-127"/>
+                <a:ea typeface="맑은 고딕" panose="020B0503020000020004" pitchFamily="50" charset="-127"/>
+              </a:rPr>
+              <a:t> </a:t>
+            </a:r>
+            <a:r>
+              <a:rPr lang="ko-KR" altLang="en-US" sz="3600" dirty="0" err="1" smtClean="0">
+                <a:solidFill>
+                  <a:srgbClr val="FFC000"/>
+                </a:solidFill>
+                <a:latin typeface="맑은 고딕" panose="020B0503020000020004" pitchFamily="50" charset="-127"/>
+                <a:ea typeface="맑은 고딕" panose="020B0503020000020004" pitchFamily="50" charset="-127"/>
+              </a:rPr>
+              <a:t>페이징</a:t>
+            </a:r>
+            <a:endParaRPr lang="en-US" altLang="ko-KR" sz="3600" dirty="0" smtClean="0">
+              <a:solidFill>
+                <a:srgbClr val="FFC000"/>
               </a:solidFill>
               <a:latin typeface="맑은 고딕" panose="020B0503020000020004" pitchFamily="50" charset="-127"/>
               <a:ea typeface="맑은 고딕" panose="020B0503020000020004" pitchFamily="50" charset="-127"/>
@@ -6409,7 +6548,7 @@
         <p:spPr>
           <a:xfrm>
             <a:off x="899592" y="1082559"/>
-            <a:ext cx="4428264" cy="3724096"/>
+            <a:ext cx="4428264" cy="4031873"/>
           </a:xfrm>
           <a:prstGeom prst="rect">
             <a:avLst/>
@@ -6555,6 +6694,58 @@
                 <a:latin typeface="맑은 고딕" panose="020B0503020000020004" pitchFamily="50" charset="-127"/>
                 <a:ea typeface="맑은 고딕" panose="020B0503020000020004" pitchFamily="50" charset="-127"/>
               </a:rPr>
+              <a:t>(NEW</a:t>
+            </a:r>
+            <a:r>
+              <a:rPr lang="en-US" altLang="ko-KR" sz="2000" b="1" dirty="0" smtClean="0">
+                <a:solidFill>
+                  <a:srgbClr val="FFC000"/>
+                </a:solidFill>
+                <a:latin typeface="맑은 고딕" panose="020B0503020000020004" pitchFamily="50" charset="-127"/>
+                <a:ea typeface="맑은 고딕" panose="020B0503020000020004" pitchFamily="50" charset="-127"/>
+              </a:rPr>
+              <a:t>!)</a:t>
+            </a:r>
+          </a:p>
+          <a:p>
+            <a:r>
+              <a:rPr lang="en-US" altLang="ko-KR" sz="2000" b="1" dirty="0">
+                <a:solidFill>
+                  <a:srgbClr val="FFC000"/>
+                </a:solidFill>
+                <a:latin typeface="맑은 고딕" panose="020B0503020000020004" pitchFamily="50" charset="-127"/>
+                <a:ea typeface="맑은 고딕" panose="020B0503020000020004" pitchFamily="50" charset="-127"/>
+              </a:rPr>
+              <a:t> </a:t>
+            </a:r>
+            <a:r>
+              <a:rPr lang="en-US" altLang="ko-KR" sz="2000" b="1" dirty="0" smtClean="0">
+                <a:solidFill>
+                  <a:srgbClr val="FFC000"/>
+                </a:solidFill>
+                <a:latin typeface="맑은 고딕" panose="020B0503020000020004" pitchFamily="50" charset="-127"/>
+                <a:ea typeface="맑은 고딕" panose="020B0503020000020004" pitchFamily="50" charset="-127"/>
+              </a:rPr>
+              <a:t>      2) </a:t>
+            </a:r>
+            <a:r>
+              <a:rPr lang="ko-KR" altLang="en-US" sz="2000" b="1" dirty="0" smtClean="0">
+                <a:solidFill>
+                  <a:srgbClr val="FFC000"/>
+                </a:solidFill>
+                <a:latin typeface="맑은 고딕" panose="020B0503020000020004" pitchFamily="50" charset="-127"/>
+                <a:ea typeface="맑은 고딕" panose="020B0503020000020004" pitchFamily="50" charset="-127"/>
+              </a:rPr>
+              <a:t>내 프로필 확인 </a:t>
+            </a:r>
+            <a:r>
+              <a:rPr lang="en-US" altLang="ko-KR" sz="2000" b="1" dirty="0" smtClean="0">
+                <a:solidFill>
+                  <a:srgbClr val="FFC000"/>
+                </a:solidFill>
+                <a:latin typeface="맑은 고딕" panose="020B0503020000020004" pitchFamily="50" charset="-127"/>
+                <a:ea typeface="맑은 고딕" panose="020B0503020000020004" pitchFamily="50" charset="-127"/>
+              </a:rPr>
               <a:t>(NEW!)</a:t>
             </a:r>
             <a:endParaRPr lang="en-US" altLang="ko-KR" sz="2000" b="1" dirty="0" smtClean="0">
@@ -6596,17 +6787,7 @@
                 <a:latin typeface="맑은 고딕" panose="020B0503020000020004" pitchFamily="50" charset="-127"/>
                 <a:ea typeface="맑은 고딕" panose="020B0503020000020004" pitchFamily="50" charset="-127"/>
               </a:rPr>
-              <a:t>사원 </a:t>
-            </a:r>
-            <a:r>
-              <a:rPr lang="ko-KR" altLang="en-US" sz="2000" dirty="0" smtClean="0">
-                <a:solidFill>
-                  <a:schemeClr val="bg1"/>
-                </a:solidFill>
-                <a:latin typeface="맑은 고딕" panose="020B0503020000020004" pitchFamily="50" charset="-127"/>
-                <a:ea typeface="맑은 고딕" panose="020B0503020000020004" pitchFamily="50" charset="-127"/>
-              </a:rPr>
-              <a:t>권한 관리</a:t>
+              <a:t>사원 권한 관리</a:t>
             </a:r>
             <a:endParaRPr lang="en-US" altLang="ko-KR" sz="2000" dirty="0" smtClean="0">
               <a:solidFill>
@@ -6644,17 +6825,7 @@
                 <a:latin typeface="맑은 고딕" panose="020B0503020000020004" pitchFamily="50" charset="-127"/>
                 <a:ea typeface="맑은 고딕" panose="020B0503020000020004" pitchFamily="50" charset="-127"/>
               </a:rPr>
-              <a:t>사원 </a:t>
-            </a:r>
-            <a:r>
-              <a:rPr lang="ko-KR" altLang="en-US" sz="2000" dirty="0" smtClean="0">
-                <a:solidFill>
-                  <a:schemeClr val="bg1"/>
-                </a:solidFill>
-                <a:latin typeface="맑은 고딕" panose="020B0503020000020004" pitchFamily="50" charset="-127"/>
-                <a:ea typeface="맑은 고딕" panose="020B0503020000020004" pitchFamily="50" charset="-127"/>
-              </a:rPr>
-              <a:t>인센티브 관리</a:t>
+              <a:t>사원 인센티브 관리</a:t>
             </a:r>
             <a:endParaRPr lang="en-US" altLang="ko-KR" sz="2000" dirty="0" smtClean="0">
               <a:solidFill>
@@ -7113,45 +7284,18 @@
                 <a:latin typeface="맑은 고딕" panose="020B0503020000020004" pitchFamily="50" charset="-127"/>
                 <a:ea typeface="맑은 고딕" panose="020B0503020000020004" pitchFamily="50" charset="-127"/>
               </a:rPr>
-              <a:t>입출금 내역 </a:t>
-            </a:r>
-            <a:r>
-              <a:rPr lang="ko-KR" altLang="en-US" sz="2000" dirty="0" smtClean="0">
+              <a:t>입출금 내역 조회 </a:t>
+            </a:r>
+            <a:r>
+              <a:rPr lang="en-US" altLang="ko-KR" sz="2000" dirty="0" smtClean="0">
                 <a:solidFill>
                   <a:srgbClr val="FFC000"/>
                 </a:solidFill>
                 <a:latin typeface="맑은 고딕" panose="020B0503020000020004" pitchFamily="50" charset="-127"/>
                 <a:ea typeface="맑은 고딕" panose="020B0503020000020004" pitchFamily="50" charset="-127"/>
               </a:rPr>
-              <a:t>조회 </a:t>
-            </a:r>
-            <a:r>
-              <a:rPr lang="en-US" altLang="ko-KR" sz="2000" dirty="0" smtClean="0">
-                <a:solidFill>
-                  <a:srgbClr val="FFC000"/>
-                </a:solidFill>
-                <a:latin typeface="맑은 고딕" panose="020B0503020000020004" pitchFamily="50" charset="-127"/>
-                <a:ea typeface="맑은 고딕" panose="020B0503020000020004" pitchFamily="50" charset="-127"/>
-              </a:rPr>
-              <a:t>(</a:t>
-            </a:r>
-            <a:r>
-              <a:rPr lang="en-US" altLang="ko-KR" sz="2000" dirty="0" smtClean="0">
-                <a:solidFill>
-                  <a:srgbClr val="FFC000"/>
-                </a:solidFill>
-                <a:latin typeface="맑은 고딕" panose="020B0503020000020004" pitchFamily="50" charset="-127"/>
-                <a:ea typeface="맑은 고딕" panose="020B0503020000020004" pitchFamily="50" charset="-127"/>
-              </a:rPr>
-              <a:t>NEW!)</a:t>
-            </a:r>
-            <a:endParaRPr lang="en-US" altLang="ko-KR" sz="2000" dirty="0" smtClean="0">
-              <a:solidFill>
-                <a:srgbClr val="FFC000"/>
-              </a:solidFill>
-              <a:latin typeface="맑은 고딕" panose="020B0503020000020004" pitchFamily="50" charset="-127"/>
-              <a:ea typeface="맑은 고딕" panose="020B0503020000020004" pitchFamily="50" charset="-127"/>
-            </a:endParaRPr>
+              <a:t>(NEW!)</a:t>
+            </a:r>
           </a:p>
           <a:p>
             <a:endParaRPr lang="en-US" altLang="ko-KR" sz="2000" dirty="0" smtClean="0">
@@ -7518,8 +7662,55 @@
                 <a:latin typeface="맑은 고딕" panose="020B0503020000020004" pitchFamily="50" charset="-127"/>
                 <a:ea typeface="맑은 고딕" panose="020B0503020000020004" pitchFamily="50" charset="-127"/>
               </a:rPr>
-              <a:t>(NEW!)</a:t>
-            </a:r>
+              <a:t>(NEW</a:t>
+            </a:r>
+            <a:r>
+              <a:rPr lang="en-US" altLang="ko-KR" sz="2000" b="1" dirty="0" smtClean="0">
+                <a:solidFill>
+                  <a:srgbClr val="FFC000"/>
+                </a:solidFill>
+                <a:latin typeface="맑은 고딕" panose="020B0503020000020004" pitchFamily="50" charset="-127"/>
+                <a:ea typeface="맑은 고딕" panose="020B0503020000020004" pitchFamily="50" charset="-127"/>
+              </a:rPr>
+              <a:t>!) / </a:t>
+            </a:r>
+            <a:r>
+              <a:rPr lang="ko-KR" altLang="en-US" sz="2000" b="1" dirty="0" smtClean="0">
+                <a:solidFill>
+                  <a:srgbClr val="FFC000"/>
+                </a:solidFill>
+                <a:latin typeface="맑은 고딕" panose="020B0503020000020004" pitchFamily="50" charset="-127"/>
+                <a:ea typeface="맑은 고딕" panose="020B0503020000020004" pitchFamily="50" charset="-127"/>
+              </a:rPr>
+              <a:t>계좌이체</a:t>
+            </a:r>
+            <a:r>
+              <a:rPr lang="en-US" altLang="ko-KR" sz="2000" b="1" dirty="0" smtClean="0">
+                <a:solidFill>
+                  <a:srgbClr val="FFC000"/>
+                </a:solidFill>
+                <a:latin typeface="맑은 고딕" panose="020B0503020000020004" pitchFamily="50" charset="-127"/>
+                <a:ea typeface="맑은 고딕" panose="020B0503020000020004" pitchFamily="50" charset="-127"/>
+              </a:rPr>
+              <a:t>, </a:t>
+            </a:r>
+            <a:r>
+              <a:rPr lang="ko-KR" altLang="en-US" sz="2000" b="1" dirty="0" smtClean="0">
+                <a:solidFill>
+                  <a:srgbClr val="FFC000"/>
+                </a:solidFill>
+                <a:latin typeface="맑은 고딕" panose="020B0503020000020004" pitchFamily="50" charset="-127"/>
+                <a:ea typeface="맑은 고딕" panose="020B0503020000020004" pitchFamily="50" charset="-127"/>
+              </a:rPr>
+              <a:t>타행 송금</a:t>
+            </a:r>
+            <a:endParaRPr lang="en-US" altLang="ko-KR" sz="2000" b="1" dirty="0" smtClean="0">
+              <a:solidFill>
+                <a:srgbClr val="FFC000"/>
+              </a:solidFill>
+              <a:latin typeface="맑은 고딕" panose="020B0503020000020004" pitchFamily="50" charset="-127"/>
+              <a:ea typeface="맑은 고딕" panose="020B0503020000020004" pitchFamily="50" charset="-127"/>
+            </a:endParaRPr>
           </a:p>
           <a:p>
             <a:pPr marL="457200" indent="-457200">
@@ -7657,17 +7848,7 @@
                 <a:latin typeface="맑은 고딕" panose="020B0503020000020004" pitchFamily="50" charset="-127"/>
                 <a:ea typeface="맑은 고딕" panose="020B0503020000020004" pitchFamily="50" charset="-127"/>
               </a:rPr>
-              <a:t>(NEW</a:t>
-            </a:r>
-            <a:r>
-              <a:rPr lang="en-US" altLang="ko-KR" sz="2000" b="1" dirty="0" smtClean="0">
-                <a:solidFill>
-                  <a:srgbClr val="FFC000"/>
-                </a:solidFill>
-                <a:latin typeface="맑은 고딕" panose="020B0503020000020004" pitchFamily="50" charset="-127"/>
-                <a:ea typeface="맑은 고딕" panose="020B0503020000020004" pitchFamily="50" charset="-127"/>
-              </a:rPr>
-              <a:t>!)</a:t>
+              <a:t>(NEW!)</a:t>
             </a:r>
           </a:p>
           <a:p>
@@ -7754,17 +7935,7 @@
                 <a:latin typeface="맑은 고딕" panose="020B0503020000020004" pitchFamily="50" charset="-127"/>
                 <a:ea typeface="맑은 고딕" panose="020B0503020000020004" pitchFamily="50" charset="-127"/>
               </a:rPr>
-              <a:t>대출 상품 </a:t>
-            </a:r>
-            <a:r>
-              <a:rPr lang="ko-KR" altLang="en-US" sz="2000" dirty="0" smtClean="0">
-                <a:solidFill>
-                  <a:schemeClr val="bg1"/>
-                </a:solidFill>
-                <a:latin typeface="맑은 고딕" panose="020B0503020000020004" pitchFamily="50" charset="-127"/>
-                <a:ea typeface="맑은 고딕" panose="020B0503020000020004" pitchFamily="50" charset="-127"/>
-              </a:rPr>
-              <a:t>가입</a:t>
+              <a:t>대출 상품 가입</a:t>
             </a:r>
             <a:endParaRPr lang="en-US" altLang="ko-KR" sz="2000" dirty="0" smtClean="0">
               <a:solidFill>
@@ -7889,13 +8060,6 @@
               </a:rPr>
               <a:t>(NEW!)</a:t>
             </a:r>
-            <a:endParaRPr lang="en-US" altLang="ko-KR" sz="2000" b="1" dirty="0" smtClean="0">
-              <a:solidFill>
-                <a:srgbClr val="FFC000"/>
-              </a:solidFill>
-              <a:latin typeface="맑은 고딕" panose="020B0503020000020004" pitchFamily="50" charset="-127"/>
-              <a:ea typeface="맑은 고딕" panose="020B0503020000020004" pitchFamily="50" charset="-127"/>
-            </a:endParaRPr>
           </a:p>
           <a:p>
             <a:pPr marL="457200" indent="-457200">
@@ -7988,17 +8152,7 @@
                 <a:latin typeface="맑은 고딕" panose="020B0503020000020004" pitchFamily="50" charset="-127"/>
                 <a:ea typeface="맑은 고딕" panose="020B0503020000020004" pitchFamily="50" charset="-127"/>
               </a:rPr>
-              <a:t>대출 </a:t>
-            </a:r>
-            <a:r>
-              <a:rPr lang="ko-KR" altLang="en-US" sz="2000" dirty="0" smtClean="0">
-                <a:solidFill>
-                  <a:schemeClr val="bg1"/>
-                </a:solidFill>
-                <a:latin typeface="맑은 고딕" panose="020B0503020000020004" pitchFamily="50" charset="-127"/>
-                <a:ea typeface="맑은 고딕" panose="020B0503020000020004" pitchFamily="50" charset="-127"/>
-              </a:rPr>
-              <a:t>가입한 고객 리스트 조회</a:t>
+              <a:t>대출 가입한 고객 리스트 조회</a:t>
             </a:r>
             <a:endParaRPr lang="en-US" altLang="ko-KR" sz="2000" dirty="0" smtClean="0">
               <a:solidFill>
@@ -8519,7 +8673,7 @@
       </p:sp>
       <p:pic>
         <p:nvPicPr>
-          <p:cNvPr id="2" name="그림 1"/>
+          <p:cNvPr id="3" name="그림 2"/>
           <p:cNvPicPr>
             <a:picLocks noChangeAspect="1"/>
           </p:cNvPicPr>
@@ -8533,8 +8687,8 @@
         </p:blipFill>
         <p:spPr>
           <a:xfrm>
-            <a:off x="251520" y="892919"/>
-            <a:ext cx="8064896" cy="4064574"/>
+            <a:off x="611560" y="892919"/>
+            <a:ext cx="7472115" cy="4034557"/>
           </a:xfrm>
           <a:prstGeom prst="rect">
             <a:avLst/>
@@ -8788,17 +8942,7 @@
                 <a:latin typeface="맑은 고딕" panose="020B0503020000020004" pitchFamily="50" charset="-127"/>
                 <a:ea typeface="맑은 고딕" panose="020B0503020000020004" pitchFamily="50" charset="-127"/>
               </a:rPr>
-              <a:t>클릭하면 상세 </a:t>
-            </a:r>
-            <a:r>
-              <a:rPr lang="ko-KR" altLang="en-US" sz="2000" dirty="0" smtClean="0">
-                <a:solidFill>
-                  <a:schemeClr val="bg1"/>
-                </a:solidFill>
-                <a:latin typeface="맑은 고딕" panose="020B0503020000020004" pitchFamily="50" charset="-127"/>
-                <a:ea typeface="맑은 고딕" panose="020B0503020000020004" pitchFamily="50" charset="-127"/>
-              </a:rPr>
-              <a:t>페이지</a:t>
+              <a:t>클릭하면 상세 페이지</a:t>
             </a:r>
             <a:endParaRPr lang="en-US" altLang="ko-KR" sz="2000" dirty="0" smtClean="0">
               <a:solidFill>
